--- a/background.pptx
+++ b/background.pptx
@@ -5,10 +5,12 @@
     <p:sldMasterId id="2147483648" r:id="rId1"/>
   </p:sldMasterIdLst>
   <p:notesMasterIdLst>
-    <p:notesMasterId r:id="rId3"/>
+    <p:notesMasterId r:id="rId5"/>
   </p:notesMasterIdLst>
   <p:sldIdLst>
     <p:sldId id="256" r:id="rId2"/>
+    <p:sldId id="258" r:id="rId3"/>
+    <p:sldId id="257" r:id="rId4"/>
   </p:sldIdLst>
   <p:sldSz cx="12192000" cy="6858000"/>
   <p:notesSz cx="6858000" cy="9144000"/>
@@ -107,6 +109,11 @@
       </a:defRPr>
     </a:lvl9pPr>
   </p:defaultTextStyle>
+  <p:extLst>
+    <p:ext uri="{EFAFB233-063F-42B5-8137-9DF3F51BA10A}">
+      <p15:sldGuideLst xmlns:p15="http://schemas.microsoft.com/office/powerpoint/2012/main"/>
+    </p:ext>
+  </p:extLst>
 </p:presentation>
 </file>
 
@@ -192,7 +199,7 @@
           <a:p>
             <a:fld id="{E53198D7-AFE4-4D16-AC30-B0573B950A7B}" type="datetimeFigureOut">
               <a:rPr lang="en-US" smtClean="0"/>
-              <a:t>9/8/2024</a:t>
+              <a:t>9/28/2024</a:t>
             </a:fld>
             <a:endParaRPr lang="en-US"/>
           </a:p>
@@ -543,6 +550,90 @@
 </p:notes>
 </file>
 
+<file path=ppt/notesSlides/notesSlide2.xml><?xml version="1.0" encoding="utf-8"?>
+<p:notes xmlns:a="http://schemas.openxmlformats.org/drawingml/2006/main" xmlns:r="http://schemas.openxmlformats.org/officeDocument/2006/relationships" xmlns:p="http://schemas.openxmlformats.org/presentationml/2006/main">
+  <p:cSld>
+    <p:spTree>
+      <p:nvGrpSpPr>
+        <p:cNvPr id="1" name=""/>
+        <p:cNvGrpSpPr/>
+        <p:nvPr/>
+      </p:nvGrpSpPr>
+      <p:grpSpPr>
+        <a:xfrm>
+          <a:off x="0" y="0"/>
+          <a:ext cx="0" cy="0"/>
+          <a:chOff x="0" y="0"/>
+          <a:chExt cx="0" cy="0"/>
+        </a:xfrm>
+      </p:grpSpPr>
+      <p:sp>
+        <p:nvSpPr>
+          <p:cNvPr id="2" name="Slide Image Placeholder 1"/>
+          <p:cNvSpPr>
+            <a:spLocks noGrp="1" noRot="1" noChangeAspect="1"/>
+          </p:cNvSpPr>
+          <p:nvPr>
+            <p:ph type="sldImg"/>
+          </p:nvPr>
+        </p:nvSpPr>
+        <p:spPr/>
+      </p:sp>
+      <p:sp>
+        <p:nvSpPr>
+          <p:cNvPr id="3" name="Notes Placeholder 2"/>
+          <p:cNvSpPr>
+            <a:spLocks noGrp="1"/>
+          </p:cNvSpPr>
+          <p:nvPr>
+            <p:ph type="body" idx="1"/>
+          </p:nvPr>
+        </p:nvSpPr>
+        <p:spPr/>
+        <p:txBody>
+          <a:bodyPr/>
+          <a:lstStyle/>
+          <a:p>
+            <a:endParaRPr lang="en-US" dirty="0"/>
+          </a:p>
+        </p:txBody>
+      </p:sp>
+      <p:sp>
+        <p:nvSpPr>
+          <p:cNvPr id="4" name="Slide Number Placeholder 3"/>
+          <p:cNvSpPr>
+            <a:spLocks noGrp="1"/>
+          </p:cNvSpPr>
+          <p:nvPr>
+            <p:ph type="sldNum" sz="quarter" idx="5"/>
+          </p:nvPr>
+        </p:nvSpPr>
+        <p:spPr/>
+        <p:txBody>
+          <a:bodyPr/>
+          <a:lstStyle/>
+          <a:p>
+            <a:fld id="{718FDFED-5C13-4D1A-BA2A-AEFE5DC5AD39}" type="slidenum">
+              <a:rPr lang="en-US" smtClean="0"/>
+              <a:t>2</a:t>
+            </a:fld>
+            <a:endParaRPr lang="en-US"/>
+          </a:p>
+        </p:txBody>
+      </p:sp>
+    </p:spTree>
+    <p:extLst>
+      <p:ext uri="{BB962C8B-B14F-4D97-AF65-F5344CB8AC3E}">
+        <p14:creationId xmlns:p14="http://schemas.microsoft.com/office/powerpoint/2010/main" val="1071952851"/>
+      </p:ext>
+    </p:extLst>
+  </p:cSld>
+  <p:clrMapOvr>
+    <a:masterClrMapping/>
+  </p:clrMapOvr>
+</p:notes>
+</file>
+
 <file path=ppt/slideLayouts/slideLayout1.xml><?xml version="1.0" encoding="utf-8"?>
 <p:sldLayout xmlns:a="http://schemas.openxmlformats.org/drawingml/2006/main" xmlns:r="http://schemas.openxmlformats.org/officeDocument/2006/relationships" xmlns:p="http://schemas.openxmlformats.org/presentationml/2006/main" type="title" preserve="1">
   <p:cSld name="Title Slide">
@@ -690,7 +781,7 @@
           <a:p>
             <a:fld id="{F14400A0-A5B8-44BD-A0A5-24F86C624F56}" type="datetimeFigureOut">
               <a:rPr lang="en-US" smtClean="0"/>
-              <a:t>9/8/2024</a:t>
+              <a:t>9/28/2024</a:t>
             </a:fld>
             <a:endParaRPr lang="en-US"/>
           </a:p>
@@ -888,7 +979,7 @@
           <a:p>
             <a:fld id="{F14400A0-A5B8-44BD-A0A5-24F86C624F56}" type="datetimeFigureOut">
               <a:rPr lang="en-US" smtClean="0"/>
-              <a:t>9/8/2024</a:t>
+              <a:t>9/28/2024</a:t>
             </a:fld>
             <a:endParaRPr lang="en-US"/>
           </a:p>
@@ -1096,7 +1187,7 @@
           <a:p>
             <a:fld id="{F14400A0-A5B8-44BD-A0A5-24F86C624F56}" type="datetimeFigureOut">
               <a:rPr lang="en-US" smtClean="0"/>
-              <a:t>9/8/2024</a:t>
+              <a:t>9/28/2024</a:t>
             </a:fld>
             <a:endParaRPr lang="en-US"/>
           </a:p>
@@ -1294,7 +1385,7 @@
           <a:p>
             <a:fld id="{F14400A0-A5B8-44BD-A0A5-24F86C624F56}" type="datetimeFigureOut">
               <a:rPr lang="en-US" smtClean="0"/>
-              <a:t>9/8/2024</a:t>
+              <a:t>9/28/2024</a:t>
             </a:fld>
             <a:endParaRPr lang="en-US"/>
           </a:p>
@@ -1569,7 +1660,7 @@
           <a:p>
             <a:fld id="{F14400A0-A5B8-44BD-A0A5-24F86C624F56}" type="datetimeFigureOut">
               <a:rPr lang="en-US" smtClean="0"/>
-              <a:t>9/8/2024</a:t>
+              <a:t>9/28/2024</a:t>
             </a:fld>
             <a:endParaRPr lang="en-US"/>
           </a:p>
@@ -1834,7 +1925,7 @@
           <a:p>
             <a:fld id="{F14400A0-A5B8-44BD-A0A5-24F86C624F56}" type="datetimeFigureOut">
               <a:rPr lang="en-US" smtClean="0"/>
-              <a:t>9/8/2024</a:t>
+              <a:t>9/28/2024</a:t>
             </a:fld>
             <a:endParaRPr lang="en-US"/>
           </a:p>
@@ -2246,7 +2337,7 @@
           <a:p>
             <a:fld id="{F14400A0-A5B8-44BD-A0A5-24F86C624F56}" type="datetimeFigureOut">
               <a:rPr lang="en-US" smtClean="0"/>
-              <a:t>9/8/2024</a:t>
+              <a:t>9/28/2024</a:t>
             </a:fld>
             <a:endParaRPr lang="en-US"/>
           </a:p>
@@ -2387,7 +2478,7 @@
           <a:p>
             <a:fld id="{F14400A0-A5B8-44BD-A0A5-24F86C624F56}" type="datetimeFigureOut">
               <a:rPr lang="en-US" smtClean="0"/>
-              <a:t>9/8/2024</a:t>
+              <a:t>9/28/2024</a:t>
             </a:fld>
             <a:endParaRPr lang="en-US"/>
           </a:p>
@@ -2500,7 +2591,7 @@
           <a:p>
             <a:fld id="{F14400A0-A5B8-44BD-A0A5-24F86C624F56}" type="datetimeFigureOut">
               <a:rPr lang="en-US" smtClean="0"/>
-              <a:t>9/8/2024</a:t>
+              <a:t>9/28/2024</a:t>
             </a:fld>
             <a:endParaRPr lang="en-US"/>
           </a:p>
@@ -2811,7 +2902,7 @@
           <a:p>
             <a:fld id="{F14400A0-A5B8-44BD-A0A5-24F86C624F56}" type="datetimeFigureOut">
               <a:rPr lang="en-US" smtClean="0"/>
-              <a:t>9/8/2024</a:t>
+              <a:t>9/28/2024</a:t>
             </a:fld>
             <a:endParaRPr lang="en-US"/>
           </a:p>
@@ -3099,7 +3190,7 @@
           <a:p>
             <a:fld id="{F14400A0-A5B8-44BD-A0A5-24F86C624F56}" type="datetimeFigureOut">
               <a:rPr lang="en-US" smtClean="0"/>
-              <a:t>9/8/2024</a:t>
+              <a:t>9/28/2024</a:t>
             </a:fld>
             <a:endParaRPr lang="en-US"/>
           </a:p>
@@ -3340,7 +3431,7 @@
           <a:p>
             <a:fld id="{F14400A0-A5B8-44BD-A0A5-24F86C624F56}" type="datetimeFigureOut">
               <a:rPr lang="en-US" smtClean="0"/>
-              <a:t>9/8/2024</a:t>
+              <a:t>9/28/2024</a:t>
             </a:fld>
             <a:endParaRPr lang="en-US"/>
           </a:p>
@@ -4389,12 +4480,53 @@
           </a:p>
         </p:txBody>
       </p:sp>
-      <p:sp>
-        <p:nvSpPr>
-          <p:cNvPr id="23" name="Rectangle 22">
-            <a:extLst>
-              <a:ext uri="{FF2B5EF4-FFF2-40B4-BE49-F238E27FC236}">
-                <a16:creationId xmlns:a16="http://schemas.microsoft.com/office/drawing/2014/main" id="{D03CCFFD-71EB-A655-3BD6-4740DB178F65}"/>
+    </p:spTree>
+    <p:extLst>
+      <p:ext uri="{BB962C8B-B14F-4D97-AF65-F5344CB8AC3E}">
+        <p14:creationId xmlns:p14="http://schemas.microsoft.com/office/powerpoint/2010/main" val="1635983209"/>
+      </p:ext>
+    </p:extLst>
+  </p:cSld>
+  <p:clrMapOvr>
+    <a:masterClrMapping/>
+  </p:clrMapOvr>
+</p:sld>
+</file>
+
+<file path=ppt/slides/slide2.xml><?xml version="1.0" encoding="utf-8"?>
+<p:sld xmlns:a="http://schemas.openxmlformats.org/drawingml/2006/main" xmlns:r="http://schemas.openxmlformats.org/officeDocument/2006/relationships" xmlns:p="http://schemas.openxmlformats.org/presentationml/2006/main">
+  <p:cSld>
+    <p:bg>
+      <p:bgPr>
+        <a:solidFill>
+          <a:schemeClr val="accent3">
+            <a:lumMod val="40000"/>
+            <a:lumOff val="60000"/>
+          </a:schemeClr>
+        </a:solidFill>
+        <a:effectLst/>
+      </p:bgPr>
+    </p:bg>
+    <p:spTree>
+      <p:nvGrpSpPr>
+        <p:cNvPr id="1" name=""/>
+        <p:cNvGrpSpPr/>
+        <p:nvPr/>
+      </p:nvGrpSpPr>
+      <p:grpSpPr>
+        <a:xfrm>
+          <a:off x="0" y="0"/>
+          <a:ext cx="0" cy="0"/>
+          <a:chOff x="0" y="0"/>
+          <a:chExt cx="0" cy="0"/>
+        </a:xfrm>
+      </p:grpSpPr>
+      <p:sp>
+        <p:nvSpPr>
+          <p:cNvPr id="4" name="Rectangle 3">
+            <a:extLst>
+              <a:ext uri="{FF2B5EF4-FFF2-40B4-BE49-F238E27FC236}">
+                <a16:creationId xmlns:a16="http://schemas.microsoft.com/office/drawing/2014/main" id="{8E743BB9-55D0-043D-64AB-1CEB55A59129}"/>
               </a:ext>
             </a:extLst>
           </p:cNvPr>
@@ -4403,15 +4535,18 @@
         </p:nvSpPr>
         <p:spPr>
           <a:xfrm>
-            <a:off x="2312377" y="1301262"/>
-            <a:ext cx="716573" cy="619857"/>
+            <a:off x="5951989" y="218463"/>
+            <a:ext cx="45719" cy="6446590"/>
           </a:xfrm>
           <a:prstGeom prst="rect">
             <a:avLst/>
           </a:prstGeom>
           <a:solidFill>
-            <a:schemeClr val="accent5"/>
+            <a:srgbClr val="00529C"/>
           </a:solidFill>
+          <a:ln>
+            <a:noFill/>
+          </a:ln>
         </p:spPr>
         <p:style>
           <a:lnRef idx="2">
@@ -4438,29 +4573,181 @@
           </a:p>
         </p:txBody>
       </p:sp>
-      <p:sp>
-        <p:nvSpPr>
-          <p:cNvPr id="25" name="Rectangle 24">
-            <a:extLst>
-              <a:ext uri="{FF2B5EF4-FFF2-40B4-BE49-F238E27FC236}">
-                <a16:creationId xmlns:a16="http://schemas.microsoft.com/office/drawing/2014/main" id="{27676278-FFAB-D55A-8666-0D6D57EA2902}"/>
-              </a:ext>
-            </a:extLst>
-          </p:cNvPr>
-          <p:cNvSpPr/>
+      <p:pic>
+        <p:nvPicPr>
+          <p:cNvPr id="3" name="Picture 2" descr="Aerial view of housing community">
+            <a:extLst>
+              <a:ext uri="{FF2B5EF4-FFF2-40B4-BE49-F238E27FC236}">
+                <a16:creationId xmlns:a16="http://schemas.microsoft.com/office/drawing/2014/main" id="{6AF164B8-2ADA-143F-C622-F5031C2A1F90}"/>
+              </a:ext>
+            </a:extLst>
+          </p:cNvPr>
+          <p:cNvPicPr>
+            <a:picLocks noChangeAspect="1"/>
+          </p:cNvPicPr>
           <p:nvPr/>
-        </p:nvSpPr>
+        </p:nvPicPr>
+        <p:blipFill>
+          <a:blip r:embed="rId3">
+            <a:duotone>
+              <a:schemeClr val="accent3">
+                <a:shade val="45000"/>
+                <a:satMod val="135000"/>
+              </a:schemeClr>
+              <a:prstClr val="white"/>
+            </a:duotone>
+            <a:extLst>
+              <a:ext uri="{28A0092B-C50C-407E-A947-70E740481C1C}">
+                <a14:useLocalDpi xmlns:a14="http://schemas.microsoft.com/office/drawing/2010/main" val="0"/>
+              </a:ext>
+            </a:extLst>
+          </a:blip>
+          <a:stretch>
+            <a:fillRect/>
+          </a:stretch>
+        </p:blipFill>
         <p:spPr>
           <a:xfrm>
-            <a:off x="3212123" y="1301262"/>
-            <a:ext cx="716573" cy="619857"/>
+            <a:off x="-3" y="155197"/>
+            <a:ext cx="5951992" cy="6555996"/>
           </a:xfrm>
           <a:prstGeom prst="rect">
             <a:avLst/>
           </a:prstGeom>
+        </p:spPr>
+      </p:pic>
+      <p:sp>
+        <p:nvSpPr>
+          <p:cNvPr id="12" name="Freeform: Shape 11">
+            <a:extLst>
+              <a:ext uri="{FF2B5EF4-FFF2-40B4-BE49-F238E27FC236}">
+                <a16:creationId xmlns:a16="http://schemas.microsoft.com/office/drawing/2014/main" id="{9DE50540-7967-AB2D-06FC-08B2C3EA7B1D}"/>
+              </a:ext>
+            </a:extLst>
+          </p:cNvPr>
+          <p:cNvSpPr/>
+          <p:nvPr/>
+        </p:nvSpPr>
+        <p:spPr>
+          <a:xfrm>
+            <a:off x="0" y="-9443"/>
+            <a:ext cx="12191999" cy="438186"/>
+          </a:xfrm>
+          <a:custGeom>
+            <a:avLst/>
+            <a:gdLst>
+              <a:gd name="connsiteX0" fmla="*/ 8317522 w 12191999"/>
+              <a:gd name="connsiteY0" fmla="*/ 0 h 606671"/>
+              <a:gd name="connsiteX1" fmla="*/ 12191999 w 12191999"/>
+              <a:gd name="connsiteY1" fmla="*/ 0 h 606671"/>
+              <a:gd name="connsiteX2" fmla="*/ 12191999 w 12191999"/>
+              <a:gd name="connsiteY2" fmla="*/ 606671 h 606671"/>
+              <a:gd name="connsiteX3" fmla="*/ 8620857 w 12191999"/>
+              <a:gd name="connsiteY3" fmla="*/ 606671 h 606671"/>
+              <a:gd name="connsiteX4" fmla="*/ 8348299 w 12191999"/>
+              <a:gd name="connsiteY4" fmla="*/ 334112 h 606671"/>
+              <a:gd name="connsiteX5" fmla="*/ 0 w 12191999"/>
+              <a:gd name="connsiteY5" fmla="*/ 334112 h 606671"/>
+              <a:gd name="connsiteX6" fmla="*/ 0 w 12191999"/>
+              <a:gd name="connsiteY6" fmla="*/ 4 h 606671"/>
+              <a:gd name="connsiteX7" fmla="*/ 8317522 w 12191999"/>
+              <a:gd name="connsiteY7" fmla="*/ 4 h 606671"/>
+            </a:gdLst>
+            <a:ahLst/>
+            <a:cxnLst>
+              <a:cxn ang="0">
+                <a:pos x="connsiteX0" y="connsiteY0"/>
+              </a:cxn>
+              <a:cxn ang="0">
+                <a:pos x="connsiteX1" y="connsiteY1"/>
+              </a:cxn>
+              <a:cxn ang="0">
+                <a:pos x="connsiteX2" y="connsiteY2"/>
+              </a:cxn>
+              <a:cxn ang="0">
+                <a:pos x="connsiteX3" y="connsiteY3"/>
+              </a:cxn>
+              <a:cxn ang="0">
+                <a:pos x="connsiteX4" y="connsiteY4"/>
+              </a:cxn>
+              <a:cxn ang="0">
+                <a:pos x="connsiteX5" y="connsiteY5"/>
+              </a:cxn>
+              <a:cxn ang="0">
+                <a:pos x="connsiteX6" y="connsiteY6"/>
+              </a:cxn>
+              <a:cxn ang="0">
+                <a:pos x="connsiteX7" y="connsiteY7"/>
+              </a:cxn>
+            </a:cxnLst>
+            <a:rect l="l" t="t" r="r" b="b"/>
+            <a:pathLst>
+              <a:path w="12191999" h="606671">
+                <a:moveTo>
+                  <a:pt x="8317522" y="0"/>
+                </a:moveTo>
+                <a:lnTo>
+                  <a:pt x="12191999" y="0"/>
+                </a:lnTo>
+                <a:lnTo>
+                  <a:pt x="12191999" y="606671"/>
+                </a:lnTo>
+                <a:lnTo>
+                  <a:pt x="8620857" y="606671"/>
+                </a:lnTo>
+                <a:lnTo>
+                  <a:pt x="8348299" y="334112"/>
+                </a:lnTo>
+                <a:lnTo>
+                  <a:pt x="0" y="334112"/>
+                </a:lnTo>
+                <a:lnTo>
+                  <a:pt x="0" y="4"/>
+                </a:lnTo>
+                <a:lnTo>
+                  <a:pt x="8317522" y="4"/>
+                </a:lnTo>
+                <a:close/>
+              </a:path>
+            </a:pathLst>
+          </a:custGeom>
           <a:solidFill>
-            <a:schemeClr val="tx1"/>
+            <a:schemeClr val="accent2">
+              <a:lumMod val="20000"/>
+              <a:lumOff val="80000"/>
+            </a:schemeClr>
           </a:solidFill>
+          <a:ln>
+            <a:gradFill>
+              <a:gsLst>
+                <a:gs pos="0">
+                  <a:schemeClr val="accent1">
+                    <a:lumMod val="5000"/>
+                    <a:lumOff val="95000"/>
+                  </a:schemeClr>
+                </a:gs>
+                <a:gs pos="36000">
+                  <a:schemeClr val="accent1">
+                    <a:lumMod val="45000"/>
+                    <a:lumOff val="55000"/>
+                  </a:schemeClr>
+                </a:gs>
+                <a:gs pos="88000">
+                  <a:schemeClr val="accent3">
+                    <a:lumMod val="60000"/>
+                    <a:lumOff val="40000"/>
+                  </a:schemeClr>
+                </a:gs>
+                <a:gs pos="64000">
+                  <a:schemeClr val="accent1">
+                    <a:lumMod val="30000"/>
+                    <a:lumOff val="70000"/>
+                  </a:schemeClr>
+                </a:gs>
+              </a:gsLst>
+              <a:lin ang="5400000" scaled="1"/>
+            </a:gradFill>
+          </a:ln>
         </p:spPr>
         <p:style>
           <a:lnRef idx="2">
@@ -4479,20 +4766,22 @@
           </a:fontRef>
         </p:style>
         <p:txBody>
-          <a:bodyPr rtlCol="0" anchor="ctr"/>
+          <a:bodyPr wrap="square" rtlCol="0" anchor="ctr">
+            <a:noAutofit/>
+          </a:bodyPr>
           <a:lstStyle/>
           <a:p>
             <a:pPr algn="ctr"/>
-            <a:endParaRPr lang="en-US"/>
-          </a:p>
-        </p:txBody>
-      </p:sp>
-      <p:sp>
-        <p:nvSpPr>
-          <p:cNvPr id="26" name="Rectangle 25">
-            <a:extLst>
-              <a:ext uri="{FF2B5EF4-FFF2-40B4-BE49-F238E27FC236}">
-                <a16:creationId xmlns:a16="http://schemas.microsoft.com/office/drawing/2014/main" id="{8594E680-9DE9-55AE-384E-E64C104DB743}"/>
+            <a:endParaRPr lang="en-US" dirty="0"/>
+          </a:p>
+        </p:txBody>
+      </p:sp>
+      <p:sp>
+        <p:nvSpPr>
+          <p:cNvPr id="13" name="Freeform: Shape 12">
+            <a:extLst>
+              <a:ext uri="{FF2B5EF4-FFF2-40B4-BE49-F238E27FC236}">
+                <a16:creationId xmlns:a16="http://schemas.microsoft.com/office/drawing/2014/main" id="{464D8317-0F84-C1C1-E38A-B719C8AEBFFA}"/>
               </a:ext>
             </a:extLst>
           </p:cNvPr>
@@ -4500,16 +4789,125 @@
           <p:nvPr/>
         </p:nvSpPr>
         <p:spPr>
-          <a:xfrm>
-            <a:off x="4111869" y="1301262"/>
-            <a:ext cx="716573" cy="619857"/>
+          <a:xfrm rot="10800000">
+            <a:off x="-3" y="6479929"/>
+            <a:ext cx="12192002" cy="378069"/>
           </a:xfrm>
-          <a:prstGeom prst="rect">
+          <a:custGeom>
             <a:avLst/>
-          </a:prstGeom>
+            <a:gdLst>
+              <a:gd name="connsiteX0" fmla="*/ 8317522 w 12191999"/>
+              <a:gd name="connsiteY0" fmla="*/ 0 h 606671"/>
+              <a:gd name="connsiteX1" fmla="*/ 12191999 w 12191999"/>
+              <a:gd name="connsiteY1" fmla="*/ 0 h 606671"/>
+              <a:gd name="connsiteX2" fmla="*/ 12191999 w 12191999"/>
+              <a:gd name="connsiteY2" fmla="*/ 606671 h 606671"/>
+              <a:gd name="connsiteX3" fmla="*/ 8620857 w 12191999"/>
+              <a:gd name="connsiteY3" fmla="*/ 606671 h 606671"/>
+              <a:gd name="connsiteX4" fmla="*/ 8348299 w 12191999"/>
+              <a:gd name="connsiteY4" fmla="*/ 334112 h 606671"/>
+              <a:gd name="connsiteX5" fmla="*/ 0 w 12191999"/>
+              <a:gd name="connsiteY5" fmla="*/ 334112 h 606671"/>
+              <a:gd name="connsiteX6" fmla="*/ 0 w 12191999"/>
+              <a:gd name="connsiteY6" fmla="*/ 4 h 606671"/>
+              <a:gd name="connsiteX7" fmla="*/ 8317522 w 12191999"/>
+              <a:gd name="connsiteY7" fmla="*/ 4 h 606671"/>
+            </a:gdLst>
+            <a:ahLst/>
+            <a:cxnLst>
+              <a:cxn ang="0">
+                <a:pos x="connsiteX0" y="connsiteY0"/>
+              </a:cxn>
+              <a:cxn ang="0">
+                <a:pos x="connsiteX1" y="connsiteY1"/>
+              </a:cxn>
+              <a:cxn ang="0">
+                <a:pos x="connsiteX2" y="connsiteY2"/>
+              </a:cxn>
+              <a:cxn ang="0">
+                <a:pos x="connsiteX3" y="connsiteY3"/>
+              </a:cxn>
+              <a:cxn ang="0">
+                <a:pos x="connsiteX4" y="connsiteY4"/>
+              </a:cxn>
+              <a:cxn ang="0">
+                <a:pos x="connsiteX5" y="connsiteY5"/>
+              </a:cxn>
+              <a:cxn ang="0">
+                <a:pos x="connsiteX6" y="connsiteY6"/>
+              </a:cxn>
+              <a:cxn ang="0">
+                <a:pos x="connsiteX7" y="connsiteY7"/>
+              </a:cxn>
+            </a:cxnLst>
+            <a:rect l="l" t="t" r="r" b="b"/>
+            <a:pathLst>
+              <a:path w="12191999" h="606671">
+                <a:moveTo>
+                  <a:pt x="8317522" y="0"/>
+                </a:moveTo>
+                <a:lnTo>
+                  <a:pt x="12191999" y="0"/>
+                </a:lnTo>
+                <a:lnTo>
+                  <a:pt x="12191999" y="606671"/>
+                </a:lnTo>
+                <a:lnTo>
+                  <a:pt x="8620857" y="606671"/>
+                </a:lnTo>
+                <a:lnTo>
+                  <a:pt x="8348299" y="334112"/>
+                </a:lnTo>
+                <a:lnTo>
+                  <a:pt x="0" y="334112"/>
+                </a:lnTo>
+                <a:lnTo>
+                  <a:pt x="0" y="4"/>
+                </a:lnTo>
+                <a:lnTo>
+                  <a:pt x="8317522" y="4"/>
+                </a:lnTo>
+                <a:close/>
+              </a:path>
+            </a:pathLst>
+          </a:custGeom>
           <a:solidFill>
-            <a:schemeClr val="bg2"/>
+            <a:schemeClr val="accent2">
+              <a:lumMod val="20000"/>
+              <a:lumOff val="80000"/>
+            </a:schemeClr>
           </a:solidFill>
+          <a:ln>
+            <a:gradFill>
+              <a:gsLst>
+                <a:gs pos="0">
+                  <a:schemeClr val="accent1">
+                    <a:lumMod val="5000"/>
+                    <a:lumOff val="95000"/>
+                  </a:schemeClr>
+                </a:gs>
+                <a:gs pos="36000">
+                  <a:schemeClr val="accent1">
+                    <a:lumMod val="45000"/>
+                    <a:lumOff val="55000"/>
+                  </a:schemeClr>
+                </a:gs>
+                <a:gs pos="88000">
+                  <a:schemeClr val="accent3">
+                    <a:lumMod val="60000"/>
+                    <a:lumOff val="40000"/>
+                  </a:schemeClr>
+                </a:gs>
+                <a:gs pos="64000">
+                  <a:schemeClr val="accent1">
+                    <a:lumMod val="30000"/>
+                    <a:lumOff val="70000"/>
+                  </a:schemeClr>
+                </a:gs>
+              </a:gsLst>
+              <a:lin ang="5400000" scaled="1"/>
+            </a:gradFill>
+          </a:ln>
         </p:spPr>
         <p:style>
           <a:lnRef idx="2">
@@ -4528,7 +4926,9 @@
           </a:fontRef>
         </p:style>
         <p:txBody>
-          <a:bodyPr rtlCol="0" anchor="ctr"/>
+          <a:bodyPr wrap="square" rtlCol="0" anchor="ctr">
+            <a:noAutofit/>
+          </a:bodyPr>
           <a:lstStyle/>
           <a:p>
             <a:pPr algn="ctr"/>
@@ -4538,10 +4938,311 @@
       </p:sp>
       <p:sp>
         <p:nvSpPr>
-          <p:cNvPr id="27" name="Rectangle 26">
-            <a:extLst>
-              <a:ext uri="{FF2B5EF4-FFF2-40B4-BE49-F238E27FC236}">
-                <a16:creationId xmlns:a16="http://schemas.microsoft.com/office/drawing/2014/main" id="{BF29E5B6-A536-49D8-CB25-8098B2E5F4BD}"/>
+          <p:cNvPr id="14" name="TextBox 13">
+            <a:extLst>
+              <a:ext uri="{FF2B5EF4-FFF2-40B4-BE49-F238E27FC236}">
+                <a16:creationId xmlns:a16="http://schemas.microsoft.com/office/drawing/2014/main" id="{030517BD-FAEE-9297-D97B-C41C58E9E3B3}"/>
+              </a:ext>
+            </a:extLst>
+          </p:cNvPr>
+          <p:cNvSpPr txBox="1"/>
+          <p:nvPr/>
+        </p:nvSpPr>
+        <p:spPr>
+          <a:xfrm>
+            <a:off x="9851780" y="-49092"/>
+            <a:ext cx="2826727" cy="369332"/>
+          </a:xfrm>
+          <a:prstGeom prst="rect">
+            <a:avLst/>
+          </a:prstGeom>
+          <a:noFill/>
+          <a:ln>
+            <a:noFill/>
+          </a:ln>
+        </p:spPr>
+        <p:txBody>
+          <a:bodyPr wrap="square" rtlCol="0">
+            <a:spAutoFit/>
+          </a:bodyPr>
+          <a:lstStyle/>
+          <a:p>
+            <a:pPr algn="ctr"/>
+            <a:r>
+              <a:rPr lang="en-US" dirty="0">
+                <a:solidFill>
+                  <a:schemeClr val="bg2">
+                    <a:lumMod val="75000"/>
+                  </a:schemeClr>
+                </a:solidFill>
+                <a:latin typeface="Aptos Black" panose="020F0502020204030204" pitchFamily="34" charset="0"/>
+              </a:rPr>
+              <a:t>Abhishek</a:t>
+            </a:r>
+            <a:r>
+              <a:rPr lang="en-US" dirty="0">
+                <a:latin typeface="Aptos Black" panose="020F0502020204030204" pitchFamily="34" charset="0"/>
+              </a:rPr>
+              <a:t> </a:t>
+            </a:r>
+            <a:r>
+              <a:rPr lang="en-US" dirty="0">
+                <a:solidFill>
+                  <a:schemeClr val="accent1">
+                    <a:lumMod val="75000"/>
+                  </a:schemeClr>
+                </a:solidFill>
+                <a:latin typeface="Aptos Black" panose="020F0502020204030204" pitchFamily="34" charset="0"/>
+              </a:rPr>
+              <a:t>Kumar</a:t>
+            </a:r>
+          </a:p>
+        </p:txBody>
+      </p:sp>
+      <p:sp>
+        <p:nvSpPr>
+          <p:cNvPr id="15" name="TextBox 14">
+            <a:extLst>
+              <a:ext uri="{FF2B5EF4-FFF2-40B4-BE49-F238E27FC236}">
+                <a16:creationId xmlns:a16="http://schemas.microsoft.com/office/drawing/2014/main" id="{D21BC457-93BE-5F33-2641-E56C3AC125B5}"/>
+              </a:ext>
+            </a:extLst>
+          </p:cNvPr>
+          <p:cNvSpPr txBox="1"/>
+          <p:nvPr/>
+        </p:nvSpPr>
+        <p:spPr>
+          <a:xfrm>
+            <a:off x="10291394" y="218463"/>
+            <a:ext cx="1947497" cy="276999"/>
+          </a:xfrm>
+          <a:prstGeom prst="rect">
+            <a:avLst/>
+          </a:prstGeom>
+          <a:noFill/>
+          <a:ln>
+            <a:noFill/>
+          </a:ln>
+        </p:spPr>
+        <p:txBody>
+          <a:bodyPr wrap="square" rtlCol="0">
+            <a:spAutoFit/>
+          </a:bodyPr>
+          <a:lstStyle/>
+          <a:p>
+            <a:r>
+              <a:rPr lang="en-US" sz="1200" dirty="0">
+                <a:ln>
+                  <a:gradFill>
+                    <a:gsLst>
+                      <a:gs pos="28000">
+                        <a:schemeClr val="bg2">
+                          <a:lumMod val="50000"/>
+                          <a:alpha val="98000"/>
+                        </a:schemeClr>
+                      </a:gs>
+                      <a:gs pos="79000">
+                        <a:srgbClr val="8185BC"/>
+                      </a:gs>
+                      <a:gs pos="100000">
+                        <a:schemeClr val="accent1">
+                          <a:lumMod val="45000"/>
+                          <a:lumOff val="55000"/>
+                        </a:schemeClr>
+                      </a:gs>
+                      <a:gs pos="100000">
+                        <a:schemeClr val="accent1">
+                          <a:lumMod val="30000"/>
+                          <a:lumOff val="70000"/>
+                        </a:schemeClr>
+                      </a:gs>
+                    </a:gsLst>
+                    <a:lin ang="5400000" scaled="1"/>
+                  </a:gradFill>
+                </a:ln>
+                <a:gradFill>
+                  <a:gsLst>
+                    <a:gs pos="0">
+                      <a:schemeClr val="bg2">
+                        <a:lumMod val="50000"/>
+                        <a:alpha val="98000"/>
+                      </a:schemeClr>
+                    </a:gs>
+                    <a:gs pos="79000">
+                      <a:srgbClr val="8185BC"/>
+                    </a:gs>
+                    <a:gs pos="100000">
+                      <a:schemeClr val="accent1">
+                        <a:lumMod val="45000"/>
+                        <a:lumOff val="55000"/>
+                      </a:schemeClr>
+                    </a:gs>
+                    <a:gs pos="100000">
+                      <a:schemeClr val="accent1">
+                        <a:lumMod val="30000"/>
+                        <a:lumOff val="70000"/>
+                      </a:schemeClr>
+                    </a:gs>
+                  </a:gsLst>
+                  <a:lin ang="5400000" scaled="1"/>
+                </a:gradFill>
+              </a:rPr>
+              <a:t>Austin Real Estate Insights</a:t>
+            </a:r>
+          </a:p>
+        </p:txBody>
+      </p:sp>
+      <p:pic>
+        <p:nvPicPr>
+          <p:cNvPr id="17" name="Graphic 16" descr="Home outline">
+            <a:extLst>
+              <a:ext uri="{FF2B5EF4-FFF2-40B4-BE49-F238E27FC236}">
+                <a16:creationId xmlns:a16="http://schemas.microsoft.com/office/drawing/2014/main" id="{A936AF89-D489-DC26-3679-D9EB593099CB}"/>
+              </a:ext>
+            </a:extLst>
+          </p:cNvPr>
+          <p:cNvPicPr>
+            <a:picLocks noChangeAspect="1"/>
+          </p:cNvPicPr>
+          <p:nvPr/>
+        </p:nvPicPr>
+        <p:blipFill>
+          <a:blip r:embed="rId4">
+            <a:extLst>
+              <a:ext uri="{96DAC541-7B7A-43D3-8B79-37D633B846F1}">
+                <asvg:svgBlip xmlns:asvg="http://schemas.microsoft.com/office/drawing/2016/SVG/main" r:embed="rId5"/>
+              </a:ext>
+            </a:extLst>
+          </a:blip>
+          <a:stretch>
+            <a:fillRect/>
+          </a:stretch>
+        </p:blipFill>
+        <p:spPr>
+          <a:xfrm>
+            <a:off x="9822429" y="1806"/>
+            <a:ext cx="468965" cy="468965"/>
+          </a:xfrm>
+          <a:prstGeom prst="rect">
+            <a:avLst/>
+          </a:prstGeom>
+        </p:spPr>
+      </p:pic>
+      <p:pic>
+        <p:nvPicPr>
+          <p:cNvPr id="19" name="Graphic 18" descr="Bar chart with solid fill">
+            <a:extLst>
+              <a:ext uri="{FF2B5EF4-FFF2-40B4-BE49-F238E27FC236}">
+                <a16:creationId xmlns:a16="http://schemas.microsoft.com/office/drawing/2014/main" id="{0759937E-C5FD-4C0B-A0BE-73AAA84D4231}"/>
+              </a:ext>
+            </a:extLst>
+          </p:cNvPr>
+          <p:cNvPicPr>
+            <a:picLocks noChangeAspect="1"/>
+          </p:cNvPicPr>
+          <p:nvPr/>
+        </p:nvPicPr>
+        <p:blipFill>
+          <a:blip r:embed="rId6">
+            <a:extLst>
+              <a:ext uri="{96DAC541-7B7A-43D3-8B79-37D633B846F1}">
+                <asvg:svgBlip xmlns:asvg="http://schemas.microsoft.com/office/drawing/2016/SVG/main" r:embed="rId7"/>
+              </a:ext>
+            </a:extLst>
+          </a:blip>
+          <a:stretch>
+            <a:fillRect/>
+          </a:stretch>
+        </p:blipFill>
+        <p:spPr>
+          <a:xfrm>
+            <a:off x="9293425" y="-28214"/>
+            <a:ext cx="529004" cy="529004"/>
+          </a:xfrm>
+          <a:prstGeom prst="rect">
+            <a:avLst/>
+          </a:prstGeom>
+        </p:spPr>
+      </p:pic>
+      <p:pic>
+        <p:nvPicPr>
+          <p:cNvPr id="21" name="Graphic 20" descr="Blog with solid fill">
+            <a:extLst>
+              <a:ext uri="{FF2B5EF4-FFF2-40B4-BE49-F238E27FC236}">
+                <a16:creationId xmlns:a16="http://schemas.microsoft.com/office/drawing/2014/main" id="{FBFE8DD8-F25F-1C8D-39BD-F5E0A9C4B1DF}"/>
+              </a:ext>
+            </a:extLst>
+          </p:cNvPr>
+          <p:cNvPicPr>
+            <a:picLocks noChangeAspect="1"/>
+          </p:cNvPicPr>
+          <p:nvPr/>
+        </p:nvPicPr>
+        <p:blipFill>
+          <a:blip r:embed="rId8">
+            <a:extLst>
+              <a:ext uri="{96DAC541-7B7A-43D3-8B79-37D633B846F1}">
+                <asvg:svgBlip xmlns:asvg="http://schemas.microsoft.com/office/drawing/2016/SVG/main" r:embed="rId9"/>
+              </a:ext>
+            </a:extLst>
+          </a:blip>
+          <a:stretch>
+            <a:fillRect/>
+          </a:stretch>
+        </p:blipFill>
+        <p:spPr>
+          <a:xfrm>
+            <a:off x="34064" y="6541478"/>
+            <a:ext cx="335214" cy="307708"/>
+          </a:xfrm>
+          <a:prstGeom prst="rect">
+            <a:avLst/>
+          </a:prstGeom>
+        </p:spPr>
+      </p:pic>
+      <p:sp>
+        <p:nvSpPr>
+          <p:cNvPr id="22" name="TextBox 21">
+            <a:extLst>
+              <a:ext uri="{FF2B5EF4-FFF2-40B4-BE49-F238E27FC236}">
+                <a16:creationId xmlns:a16="http://schemas.microsoft.com/office/drawing/2014/main" id="{EA6BC284-524F-8235-5E80-58EA6917B283}"/>
+              </a:ext>
+            </a:extLst>
+          </p:cNvPr>
+          <p:cNvSpPr txBox="1"/>
+          <p:nvPr/>
+        </p:nvSpPr>
+        <p:spPr>
+          <a:xfrm>
+            <a:off x="403344" y="6541478"/>
+            <a:ext cx="2426677" cy="307777"/>
+          </a:xfrm>
+          <a:prstGeom prst="rect">
+            <a:avLst/>
+          </a:prstGeom>
+          <a:noFill/>
+        </p:spPr>
+        <p:txBody>
+          <a:bodyPr wrap="square" rtlCol="0">
+            <a:spAutoFit/>
+          </a:bodyPr>
+          <a:lstStyle/>
+          <a:p>
+            <a:r>
+              <a:rPr lang="en-US" sz="1400" dirty="0">
+                <a:latin typeface="Bahnschrift Condensed" panose="020B0502040204020203" pitchFamily="34" charset="0"/>
+              </a:rPr>
+              <a:t>A Power BI Report</a:t>
+            </a:r>
+          </a:p>
+        </p:txBody>
+      </p:sp>
+      <p:sp>
+        <p:nvSpPr>
+          <p:cNvPr id="5" name="Rectangle 4">
+            <a:extLst>
+              <a:ext uri="{FF2B5EF4-FFF2-40B4-BE49-F238E27FC236}">
+                <a16:creationId xmlns:a16="http://schemas.microsoft.com/office/drawing/2014/main" id="{13AAE54F-3483-344A-CD2F-4C4034711B9C}"/>
               </a:ext>
             </a:extLst>
           </p:cNvPr>
@@ -4549,16 +5250,21 @@
           <p:nvPr/>
         </p:nvSpPr>
         <p:spPr>
-          <a:xfrm>
-            <a:off x="5011615" y="1301262"/>
-            <a:ext cx="716573" cy="619857"/>
+          <a:xfrm flipH="1">
+            <a:off x="173965" y="236288"/>
+            <a:ext cx="5182406" cy="6243641"/>
           </a:xfrm>
           <a:prstGeom prst="rect">
             <a:avLst/>
           </a:prstGeom>
           <a:solidFill>
-            <a:schemeClr val="accent6"/>
+            <a:srgbClr val="00529C">
+              <a:alpha val="69804"/>
+            </a:srgbClr>
           </a:solidFill>
+          <a:ln>
+            <a:noFill/>
+          </a:ln>
         </p:spPr>
         <p:style>
           <a:lnRef idx="2">
@@ -4587,204 +5293,594 @@
       </p:sp>
       <p:sp>
         <p:nvSpPr>
-          <p:cNvPr id="28" name="Rectangle 27">
-            <a:extLst>
-              <a:ext uri="{FF2B5EF4-FFF2-40B4-BE49-F238E27FC236}">
-                <a16:creationId xmlns:a16="http://schemas.microsoft.com/office/drawing/2014/main" id="{256BE2C5-255C-0024-5AB5-E5512BDC5901}"/>
-              </a:ext>
-            </a:extLst>
-          </p:cNvPr>
-          <p:cNvSpPr/>
+          <p:cNvPr id="6" name="TextBox 5">
+            <a:extLst>
+              <a:ext uri="{FF2B5EF4-FFF2-40B4-BE49-F238E27FC236}">
+                <a16:creationId xmlns:a16="http://schemas.microsoft.com/office/drawing/2014/main" id="{2D2D9207-DF5B-F559-E72A-E580BD8FE859}"/>
+              </a:ext>
+            </a:extLst>
+          </p:cNvPr>
+          <p:cNvSpPr txBox="1"/>
           <p:nvPr/>
         </p:nvSpPr>
         <p:spPr>
           <a:xfrm>
-            <a:off x="2312377" y="2038350"/>
-            <a:ext cx="716573" cy="619857"/>
+            <a:off x="509179" y="1681993"/>
+            <a:ext cx="3785984" cy="646331"/>
           </a:xfrm>
           <a:prstGeom prst="rect">
             <a:avLst/>
           </a:prstGeom>
-          <a:solidFill>
-            <a:schemeClr val="accent1"/>
-          </a:solidFill>
+          <a:noFill/>
         </p:spPr>
-        <p:style>
-          <a:lnRef idx="2">
-            <a:schemeClr val="accent1">
-              <a:shade val="15000"/>
-            </a:schemeClr>
-          </a:lnRef>
-          <a:fillRef idx="1">
-            <a:schemeClr val="accent1"/>
-          </a:fillRef>
-          <a:effectRef idx="0">
-            <a:schemeClr val="accent1"/>
-          </a:effectRef>
-          <a:fontRef idx="minor">
-            <a:schemeClr val="lt1"/>
-          </a:fontRef>
-        </p:style>
-        <p:txBody>
-          <a:bodyPr rtlCol="0" anchor="ctr"/>
-          <a:lstStyle/>
-          <a:p>
-            <a:pPr algn="ctr"/>
-            <a:endParaRPr lang="en-US"/>
-          </a:p>
-        </p:txBody>
-      </p:sp>
-      <p:sp>
-        <p:nvSpPr>
-          <p:cNvPr id="29" name="Rectangle 28">
-            <a:extLst>
-              <a:ext uri="{FF2B5EF4-FFF2-40B4-BE49-F238E27FC236}">
-                <a16:creationId xmlns:a16="http://schemas.microsoft.com/office/drawing/2014/main" id="{23209D0E-BEA7-4B37-B1D3-7837B26D7593}"/>
-              </a:ext>
-            </a:extLst>
-          </p:cNvPr>
-          <p:cNvSpPr/>
+        <p:txBody>
+          <a:bodyPr wrap="square" rtlCol="0">
+            <a:spAutoFit/>
+          </a:bodyPr>
+          <a:lstStyle/>
+          <a:p>
+            <a:r>
+              <a:rPr lang="en-US" b="1" dirty="0">
+                <a:solidFill>
+                  <a:schemeClr val="accent4">
+                    <a:lumMod val="20000"/>
+                    <a:lumOff val="80000"/>
+                  </a:schemeClr>
+                </a:solidFill>
+                <a:latin typeface="Bahnschrift SemiBold" panose="020B0502040204020203" pitchFamily="34" charset="0"/>
+                <a:cs typeface="AngsanaUPC" panose="020B0502040204020203" pitchFamily="18" charset="-34"/>
+              </a:rPr>
+              <a:t>Welcome to my </a:t>
+            </a:r>
+            <a:r>
+              <a:rPr lang="en-US" b="1" dirty="0" err="1">
+                <a:solidFill>
+                  <a:schemeClr val="accent4">
+                    <a:lumMod val="20000"/>
+                    <a:lumOff val="80000"/>
+                  </a:schemeClr>
+                </a:solidFill>
+                <a:latin typeface="Bahnschrift SemiBold" panose="020B0502040204020203" pitchFamily="34" charset="0"/>
+                <a:cs typeface="AngsanaUPC" panose="020B0502040204020203" pitchFamily="18" charset="-34"/>
+              </a:rPr>
+              <a:t>PowerBI</a:t>
+            </a:r>
+            <a:r>
+              <a:rPr lang="en-US" b="1" dirty="0">
+                <a:solidFill>
+                  <a:schemeClr val="accent4">
+                    <a:lumMod val="20000"/>
+                    <a:lumOff val="80000"/>
+                  </a:schemeClr>
+                </a:solidFill>
+                <a:latin typeface="Bahnschrift SemiBold" panose="020B0502040204020203" pitchFamily="34" charset="0"/>
+                <a:cs typeface="AngsanaUPC" panose="020B0502040204020203" pitchFamily="18" charset="-34"/>
+              </a:rPr>
+              <a:t> report on the Austin Texas Housing market</a:t>
+            </a:r>
+          </a:p>
+        </p:txBody>
+      </p:sp>
+      <p:sp>
+        <p:nvSpPr>
+          <p:cNvPr id="7" name="TextBox 6">
+            <a:extLst>
+              <a:ext uri="{FF2B5EF4-FFF2-40B4-BE49-F238E27FC236}">
+                <a16:creationId xmlns:a16="http://schemas.microsoft.com/office/drawing/2014/main" id="{DA8FD73C-EE16-5144-6311-A81EBF618202}"/>
+              </a:ext>
+            </a:extLst>
+          </p:cNvPr>
+          <p:cNvSpPr txBox="1"/>
           <p:nvPr/>
         </p:nvSpPr>
         <p:spPr>
           <a:xfrm>
-            <a:off x="3212123" y="2038350"/>
-            <a:ext cx="716573" cy="619857"/>
+            <a:off x="539826" y="2596772"/>
+            <a:ext cx="4580389" cy="461665"/>
           </a:xfrm>
           <a:prstGeom prst="rect">
             <a:avLst/>
           </a:prstGeom>
-          <a:solidFill>
-            <a:srgbClr val="5ECCF3"/>
-          </a:solidFill>
+          <a:noFill/>
         </p:spPr>
-        <p:style>
-          <a:lnRef idx="2">
-            <a:schemeClr val="accent1">
-              <a:shade val="15000"/>
-            </a:schemeClr>
-          </a:lnRef>
-          <a:fillRef idx="1">
-            <a:schemeClr val="accent1"/>
-          </a:fillRef>
-          <a:effectRef idx="0">
-            <a:schemeClr val="accent1"/>
-          </a:effectRef>
-          <a:fontRef idx="minor">
-            <a:schemeClr val="lt1"/>
-          </a:fontRef>
-        </p:style>
-        <p:txBody>
-          <a:bodyPr rtlCol="0" anchor="ctr"/>
-          <a:lstStyle/>
-          <a:p>
-            <a:pPr algn="ctr"/>
-            <a:endParaRPr lang="en-US"/>
-          </a:p>
-        </p:txBody>
-      </p:sp>
-      <p:sp>
-        <p:nvSpPr>
-          <p:cNvPr id="30" name="Rectangle 29">
-            <a:extLst>
-              <a:ext uri="{FF2B5EF4-FFF2-40B4-BE49-F238E27FC236}">
-                <a16:creationId xmlns:a16="http://schemas.microsoft.com/office/drawing/2014/main" id="{78000CD4-802B-1417-37CD-56CEA78E6B52}"/>
-              </a:ext>
-            </a:extLst>
-          </p:cNvPr>
-          <p:cNvSpPr/>
+        <p:txBody>
+          <a:bodyPr wrap="square" rtlCol="0">
+            <a:spAutoFit/>
+          </a:bodyPr>
+          <a:lstStyle/>
+          <a:p>
+            <a:r>
+              <a:rPr lang="en-US" sz="1200" dirty="0">
+                <a:solidFill>
+                  <a:schemeClr val="accent4">
+                    <a:lumMod val="20000"/>
+                    <a:lumOff val="80000"/>
+                  </a:schemeClr>
+                </a:solidFill>
+                <a:latin typeface="Aptos" panose="020B0004020202020204" pitchFamily="34" charset="0"/>
+              </a:rPr>
+              <a:t>Here you will find a comprehensive report on the housing market based on a variety of factors that you can choose from</a:t>
+            </a:r>
+          </a:p>
+        </p:txBody>
+      </p:sp>
+    </p:spTree>
+    <p:extLst>
+      <p:ext uri="{BB962C8B-B14F-4D97-AF65-F5344CB8AC3E}">
+        <p14:creationId xmlns:p14="http://schemas.microsoft.com/office/powerpoint/2010/main" val="101788468"/>
+      </p:ext>
+    </p:extLst>
+  </p:cSld>
+  <p:clrMapOvr>
+    <a:masterClrMapping/>
+  </p:clrMapOvr>
+</p:sld>
+</file>
+
+<file path=ppt/slides/slide3.xml><?xml version="1.0" encoding="utf-8"?>
+<p:sld xmlns:a="http://schemas.openxmlformats.org/drawingml/2006/main" xmlns:r="http://schemas.openxmlformats.org/officeDocument/2006/relationships" xmlns:p="http://schemas.openxmlformats.org/presentationml/2006/main">
+  <p:cSld>
+    <p:bg>
+      <p:bgPr>
+        <a:solidFill>
+          <a:schemeClr val="tx1">
+            <a:lumMod val="65000"/>
+            <a:lumOff val="35000"/>
+          </a:schemeClr>
+        </a:solidFill>
+        <a:effectLst/>
+      </p:bgPr>
+    </p:bg>
+    <p:spTree>
+      <p:nvGrpSpPr>
+        <p:cNvPr id="1" name=""/>
+        <p:cNvGrpSpPr/>
+        <p:nvPr/>
+      </p:nvGrpSpPr>
+      <p:grpSpPr>
+        <a:xfrm>
+          <a:off x="0" y="0"/>
+          <a:ext cx="0" cy="0"/>
+          <a:chOff x="0" y="0"/>
+          <a:chExt cx="0" cy="0"/>
+        </a:xfrm>
+      </p:grpSpPr>
+      <p:pic>
+        <p:nvPicPr>
+          <p:cNvPr id="2" name="Graphic 1" descr="Comment Like with solid fill">
+            <a:extLst>
+              <a:ext uri="{FF2B5EF4-FFF2-40B4-BE49-F238E27FC236}">
+                <a16:creationId xmlns:a16="http://schemas.microsoft.com/office/drawing/2014/main" id="{144C6F73-FF54-12EF-81FE-9143C94BFB8E}"/>
+              </a:ext>
+            </a:extLst>
+          </p:cNvPr>
+          <p:cNvPicPr>
+            <a:picLocks noChangeAspect="1"/>
+          </p:cNvPicPr>
           <p:nvPr/>
-        </p:nvSpPr>
+        </p:nvPicPr>
+        <p:blipFill>
+          <a:blip r:embed="rId2">
+            <a:extLst>
+              <a:ext uri="{96DAC541-7B7A-43D3-8B79-37D633B846F1}">
+                <asvg:svgBlip xmlns:asvg="http://schemas.microsoft.com/office/drawing/2016/SVG/main" r:embed="rId3"/>
+              </a:ext>
+            </a:extLst>
+          </a:blip>
+          <a:stretch>
+            <a:fillRect/>
+          </a:stretch>
+        </p:blipFill>
         <p:spPr>
           <a:xfrm>
-            <a:off x="4111869" y="2038350"/>
-            <a:ext cx="716573" cy="619857"/>
+            <a:off x="5538431" y="3442985"/>
+            <a:ext cx="914400" cy="914400"/>
           </a:xfrm>
           <a:prstGeom prst="rect">
             <a:avLst/>
           </a:prstGeom>
-          <a:solidFill>
-            <a:schemeClr val="accent3"/>
-          </a:solidFill>
         </p:spPr>
-        <p:style>
-          <a:lnRef idx="2">
-            <a:schemeClr val="accent1">
-              <a:shade val="15000"/>
-            </a:schemeClr>
-          </a:lnRef>
-          <a:fillRef idx="1">
-            <a:schemeClr val="accent1"/>
-          </a:fillRef>
-          <a:effectRef idx="0">
-            <a:schemeClr val="accent1"/>
-          </a:effectRef>
-          <a:fontRef idx="minor">
-            <a:schemeClr val="lt1"/>
-          </a:fontRef>
-        </p:style>
-        <p:txBody>
-          <a:bodyPr rtlCol="0" anchor="ctr"/>
-          <a:lstStyle/>
-          <a:p>
-            <a:pPr algn="ctr"/>
-            <a:endParaRPr lang="en-US"/>
-          </a:p>
-        </p:txBody>
-      </p:sp>
-      <p:sp>
-        <p:nvSpPr>
-          <p:cNvPr id="31" name="Rectangle 30">
-            <a:extLst>
-              <a:ext uri="{FF2B5EF4-FFF2-40B4-BE49-F238E27FC236}">
-                <a16:creationId xmlns:a16="http://schemas.microsoft.com/office/drawing/2014/main" id="{24595D8D-36A6-F9F8-2312-75317BEB3013}"/>
-              </a:ext>
-            </a:extLst>
-          </p:cNvPr>
-          <p:cNvSpPr/>
+      </p:pic>
+      <p:pic>
+        <p:nvPicPr>
+          <p:cNvPr id="3" name="Graphic 2" descr="Classroom outline">
+            <a:extLst>
+              <a:ext uri="{FF2B5EF4-FFF2-40B4-BE49-F238E27FC236}">
+                <a16:creationId xmlns:a16="http://schemas.microsoft.com/office/drawing/2014/main" id="{551294AC-9E47-2238-A165-87CD9918F6FF}"/>
+              </a:ext>
+            </a:extLst>
+          </p:cNvPr>
+          <p:cNvPicPr>
+            <a:picLocks noChangeAspect="1"/>
+          </p:cNvPicPr>
           <p:nvPr/>
-        </p:nvSpPr>
+        </p:nvPicPr>
+        <p:blipFill>
+          <a:blip r:embed="rId4">
+            <a:extLst>
+              <a:ext uri="{96DAC541-7B7A-43D3-8B79-37D633B846F1}">
+                <asvg:svgBlip xmlns:asvg="http://schemas.microsoft.com/office/drawing/2016/SVG/main" r:embed="rId5"/>
+              </a:ext>
+            </a:extLst>
+          </a:blip>
+          <a:stretch>
+            <a:fillRect/>
+          </a:stretch>
+        </p:blipFill>
         <p:spPr>
           <a:xfrm>
-            <a:off x="5011615" y="2038350"/>
-            <a:ext cx="716573" cy="619857"/>
+            <a:off x="5538431" y="2528585"/>
+            <a:ext cx="914400" cy="914400"/>
           </a:xfrm>
           <a:prstGeom prst="rect">
             <a:avLst/>
           </a:prstGeom>
-          <a:solidFill>
-            <a:schemeClr val="accent4"/>
-          </a:solidFill>
         </p:spPr>
-        <p:style>
-          <a:lnRef idx="2">
-            <a:schemeClr val="accent1">
-              <a:shade val="15000"/>
-            </a:schemeClr>
-          </a:lnRef>
-          <a:fillRef idx="1">
-            <a:schemeClr val="accent1"/>
-          </a:fillRef>
-          <a:effectRef idx="0">
-            <a:schemeClr val="accent1"/>
-          </a:effectRef>
-          <a:fontRef idx="minor">
-            <a:schemeClr val="lt1"/>
-          </a:fontRef>
-        </p:style>
-        <p:txBody>
-          <a:bodyPr rtlCol="0" anchor="ctr"/>
-          <a:lstStyle/>
-          <a:p>
-            <a:pPr algn="ctr"/>
-            <a:endParaRPr lang="en-US"/>
-          </a:p>
-        </p:txBody>
-      </p:sp>
+      </p:pic>
+      <p:pic>
+        <p:nvPicPr>
+          <p:cNvPr id="4" name="Graphic 3" descr="Marker with solid fill">
+            <a:extLst>
+              <a:ext uri="{FF2B5EF4-FFF2-40B4-BE49-F238E27FC236}">
+                <a16:creationId xmlns:a16="http://schemas.microsoft.com/office/drawing/2014/main" id="{6E17499E-35C7-7F83-7B59-80CF7CD6B943}"/>
+              </a:ext>
+            </a:extLst>
+          </p:cNvPr>
+          <p:cNvPicPr>
+            <a:picLocks noChangeAspect="1"/>
+          </p:cNvPicPr>
+          <p:nvPr/>
+        </p:nvPicPr>
+        <p:blipFill>
+          <a:blip r:embed="rId6">
+            <a:extLst>
+              <a:ext uri="{96DAC541-7B7A-43D3-8B79-37D633B846F1}">
+                <asvg:svgBlip xmlns:asvg="http://schemas.microsoft.com/office/drawing/2016/SVG/main" r:embed="rId7"/>
+              </a:ext>
+            </a:extLst>
+          </a:blip>
+          <a:stretch>
+            <a:fillRect/>
+          </a:stretch>
+        </p:blipFill>
+        <p:spPr>
+          <a:xfrm>
+            <a:off x="5538431" y="1686521"/>
+            <a:ext cx="914400" cy="914400"/>
+          </a:xfrm>
+          <a:prstGeom prst="rect">
+            <a:avLst/>
+          </a:prstGeom>
+        </p:spPr>
+      </p:pic>
+      <p:pic>
+        <p:nvPicPr>
+          <p:cNvPr id="5" name="Graphic 4" descr="Magnifying glass with solid fill">
+            <a:extLst>
+              <a:ext uri="{FF2B5EF4-FFF2-40B4-BE49-F238E27FC236}">
+                <a16:creationId xmlns:a16="http://schemas.microsoft.com/office/drawing/2014/main" id="{2F7C670B-66CC-C896-5FB6-3FC332309D71}"/>
+              </a:ext>
+            </a:extLst>
+          </p:cNvPr>
+          <p:cNvPicPr>
+            <a:picLocks noChangeAspect="1"/>
+          </p:cNvPicPr>
+          <p:nvPr/>
+        </p:nvPicPr>
+        <p:blipFill>
+          <a:blip r:embed="rId8">
+            <a:extLst>
+              <a:ext uri="{96DAC541-7B7A-43D3-8B79-37D633B846F1}">
+                <asvg:svgBlip xmlns:asvg="http://schemas.microsoft.com/office/drawing/2016/SVG/main" r:embed="rId9"/>
+              </a:ext>
+            </a:extLst>
+          </a:blip>
+          <a:stretch>
+            <a:fillRect/>
+          </a:stretch>
+        </p:blipFill>
+        <p:spPr>
+          <a:xfrm>
+            <a:off x="5538431" y="884376"/>
+            <a:ext cx="914400" cy="914400"/>
+          </a:xfrm>
+          <a:prstGeom prst="rect">
+            <a:avLst/>
+          </a:prstGeom>
+        </p:spPr>
+      </p:pic>
+      <p:pic>
+        <p:nvPicPr>
+          <p:cNvPr id="6" name="Graphic 5" descr="Comment Like with solid fill">
+            <a:extLst>
+              <a:ext uri="{FF2B5EF4-FFF2-40B4-BE49-F238E27FC236}">
+                <a16:creationId xmlns:a16="http://schemas.microsoft.com/office/drawing/2014/main" id="{0005291E-CC82-7A9F-74F7-BCBA7275F5F4}"/>
+              </a:ext>
+            </a:extLst>
+          </p:cNvPr>
+          <p:cNvPicPr>
+            <a:picLocks noChangeAspect="1"/>
+          </p:cNvPicPr>
+          <p:nvPr/>
+        </p:nvPicPr>
+        <p:blipFill>
+          <a:blip r:embed="rId10">
+            <a:extLst>
+              <a:ext uri="{96DAC541-7B7A-43D3-8B79-37D633B846F1}">
+                <asvg:svgBlip xmlns:asvg="http://schemas.microsoft.com/office/drawing/2016/SVG/main" r:embed="rId11"/>
+              </a:ext>
+            </a:extLst>
+          </a:blip>
+          <a:stretch>
+            <a:fillRect/>
+          </a:stretch>
+        </p:blipFill>
+        <p:spPr>
+          <a:xfrm>
+            <a:off x="7636976" y="3478741"/>
+            <a:ext cx="914400" cy="914400"/>
+          </a:xfrm>
+          <a:prstGeom prst="rect">
+            <a:avLst/>
+          </a:prstGeom>
+        </p:spPr>
+      </p:pic>
+      <p:pic>
+        <p:nvPicPr>
+          <p:cNvPr id="7" name="Graphic 6" descr="Classroom outline">
+            <a:extLst>
+              <a:ext uri="{FF2B5EF4-FFF2-40B4-BE49-F238E27FC236}">
+                <a16:creationId xmlns:a16="http://schemas.microsoft.com/office/drawing/2014/main" id="{A7D1AC6D-AE0D-6B1B-6393-A3EA6A5F478E}"/>
+              </a:ext>
+            </a:extLst>
+          </p:cNvPr>
+          <p:cNvPicPr>
+            <a:picLocks noChangeAspect="1"/>
+          </p:cNvPicPr>
+          <p:nvPr/>
+        </p:nvPicPr>
+        <p:blipFill>
+          <a:blip r:embed="rId12">
+            <a:extLst>
+              <a:ext uri="{96DAC541-7B7A-43D3-8B79-37D633B846F1}">
+                <asvg:svgBlip xmlns:asvg="http://schemas.microsoft.com/office/drawing/2016/SVG/main" r:embed="rId13"/>
+              </a:ext>
+            </a:extLst>
+          </a:blip>
+          <a:stretch>
+            <a:fillRect/>
+          </a:stretch>
+        </p:blipFill>
+        <p:spPr>
+          <a:xfrm>
+            <a:off x="7704688" y="2635648"/>
+            <a:ext cx="914400" cy="914400"/>
+          </a:xfrm>
+          <a:prstGeom prst="rect">
+            <a:avLst/>
+          </a:prstGeom>
+        </p:spPr>
+      </p:pic>
+      <p:pic>
+        <p:nvPicPr>
+          <p:cNvPr id="8" name="Graphic 7" descr="Marker with solid fill">
+            <a:extLst>
+              <a:ext uri="{FF2B5EF4-FFF2-40B4-BE49-F238E27FC236}">
+                <a16:creationId xmlns:a16="http://schemas.microsoft.com/office/drawing/2014/main" id="{64B9C415-93E5-DAEC-B441-F843094C3C31}"/>
+              </a:ext>
+            </a:extLst>
+          </p:cNvPr>
+          <p:cNvPicPr>
+            <a:picLocks noChangeAspect="1"/>
+          </p:cNvPicPr>
+          <p:nvPr/>
+        </p:nvPicPr>
+        <p:blipFill>
+          <a:blip r:embed="rId14">
+            <a:extLst>
+              <a:ext uri="{96DAC541-7B7A-43D3-8B79-37D633B846F1}">
+                <asvg:svgBlip xmlns:asvg="http://schemas.microsoft.com/office/drawing/2016/SVG/main" r:embed="rId15"/>
+              </a:ext>
+            </a:extLst>
+          </a:blip>
+          <a:stretch>
+            <a:fillRect/>
+          </a:stretch>
+        </p:blipFill>
+        <p:spPr>
+          <a:xfrm>
+            <a:off x="7704688" y="1580763"/>
+            <a:ext cx="914400" cy="914400"/>
+          </a:xfrm>
+          <a:prstGeom prst="rect">
+            <a:avLst/>
+          </a:prstGeom>
+        </p:spPr>
+      </p:pic>
+      <p:pic>
+        <p:nvPicPr>
+          <p:cNvPr id="9" name="Graphic 8" descr="Magnifying glass with solid fill">
+            <a:extLst>
+              <a:ext uri="{FF2B5EF4-FFF2-40B4-BE49-F238E27FC236}">
+                <a16:creationId xmlns:a16="http://schemas.microsoft.com/office/drawing/2014/main" id="{70BA066C-C7AE-EC1B-6AF4-A201E31A739F}"/>
+              </a:ext>
+            </a:extLst>
+          </p:cNvPr>
+          <p:cNvPicPr>
+            <a:picLocks noChangeAspect="1"/>
+          </p:cNvPicPr>
+          <p:nvPr/>
+        </p:nvPicPr>
+        <p:blipFill>
+          <a:blip r:embed="rId16">
+            <a:extLst>
+              <a:ext uri="{96DAC541-7B7A-43D3-8B79-37D633B846F1}">
+                <asvg:svgBlip xmlns:asvg="http://schemas.microsoft.com/office/drawing/2016/SVG/main" r:embed="rId17"/>
+              </a:ext>
+            </a:extLst>
+          </a:blip>
+          <a:stretch>
+            <a:fillRect/>
+          </a:stretch>
+        </p:blipFill>
+        <p:spPr>
+          <a:xfrm>
+            <a:off x="7574060" y="772121"/>
+            <a:ext cx="914400" cy="914400"/>
+          </a:xfrm>
+          <a:prstGeom prst="rect">
+            <a:avLst/>
+          </a:prstGeom>
+        </p:spPr>
+      </p:pic>
+      <p:pic>
+        <p:nvPicPr>
+          <p:cNvPr id="11" name="Graphic 10" descr="Comment Like with solid fill">
+            <a:extLst>
+              <a:ext uri="{FF2B5EF4-FFF2-40B4-BE49-F238E27FC236}">
+                <a16:creationId xmlns:a16="http://schemas.microsoft.com/office/drawing/2014/main" id="{893175C4-7473-2FA6-08AB-C598BE899911}"/>
+              </a:ext>
+            </a:extLst>
+          </p:cNvPr>
+          <p:cNvPicPr>
+            <a:picLocks noChangeAspect="1"/>
+          </p:cNvPicPr>
+          <p:nvPr/>
+        </p:nvPicPr>
+        <p:blipFill>
+          <a:blip r:embed="rId18">
+            <a:extLst>
+              <a:ext uri="{96DAC541-7B7A-43D3-8B79-37D633B846F1}">
+                <asvg:svgBlip xmlns:asvg="http://schemas.microsoft.com/office/drawing/2016/SVG/main" r:embed="rId19"/>
+              </a:ext>
+            </a:extLst>
+          </a:blip>
+          <a:stretch>
+            <a:fillRect/>
+          </a:stretch>
+        </p:blipFill>
+        <p:spPr>
+          <a:xfrm>
+            <a:off x="9870945" y="3651343"/>
+            <a:ext cx="914400" cy="914400"/>
+          </a:xfrm>
+          <a:prstGeom prst="rect">
+            <a:avLst/>
+          </a:prstGeom>
+        </p:spPr>
+      </p:pic>
+      <p:pic>
+        <p:nvPicPr>
+          <p:cNvPr id="12" name="Graphic 11" descr="Classroom outline">
+            <a:extLst>
+              <a:ext uri="{FF2B5EF4-FFF2-40B4-BE49-F238E27FC236}">
+                <a16:creationId xmlns:a16="http://schemas.microsoft.com/office/drawing/2014/main" id="{842AF9BC-4EC6-96E3-764D-CC6025440B32}"/>
+              </a:ext>
+            </a:extLst>
+          </p:cNvPr>
+          <p:cNvPicPr>
+            <a:picLocks noChangeAspect="1"/>
+          </p:cNvPicPr>
+          <p:nvPr/>
+        </p:nvPicPr>
+        <p:blipFill>
+          <a:blip r:embed="rId20">
+            <a:extLst>
+              <a:ext uri="{96DAC541-7B7A-43D3-8B79-37D633B846F1}">
+                <asvg:svgBlip xmlns:asvg="http://schemas.microsoft.com/office/drawing/2016/SVG/main" r:embed="rId21"/>
+              </a:ext>
+            </a:extLst>
+          </a:blip>
+          <a:stretch>
+            <a:fillRect/>
+          </a:stretch>
+        </p:blipFill>
+        <p:spPr>
+          <a:xfrm>
+            <a:off x="9870945" y="2632764"/>
+            <a:ext cx="914400" cy="914400"/>
+          </a:xfrm>
+          <a:prstGeom prst="rect">
+            <a:avLst/>
+          </a:prstGeom>
+        </p:spPr>
+      </p:pic>
+      <p:pic>
+        <p:nvPicPr>
+          <p:cNvPr id="13" name="Graphic 12" descr="Marker with solid fill">
+            <a:extLst>
+              <a:ext uri="{FF2B5EF4-FFF2-40B4-BE49-F238E27FC236}">
+                <a16:creationId xmlns:a16="http://schemas.microsoft.com/office/drawing/2014/main" id="{06C4468A-B47D-994B-810C-E2B49290D939}"/>
+              </a:ext>
+            </a:extLst>
+          </p:cNvPr>
+          <p:cNvPicPr>
+            <a:picLocks noChangeAspect="1"/>
+          </p:cNvPicPr>
+          <p:nvPr/>
+        </p:nvPicPr>
+        <p:blipFill>
+          <a:blip r:embed="rId22">
+            <a:extLst>
+              <a:ext uri="{96DAC541-7B7A-43D3-8B79-37D633B846F1}">
+                <asvg:svgBlip xmlns:asvg="http://schemas.microsoft.com/office/drawing/2016/SVG/main" r:embed="rId23"/>
+              </a:ext>
+            </a:extLst>
+          </a:blip>
+          <a:stretch>
+            <a:fillRect/>
+          </a:stretch>
+        </p:blipFill>
+        <p:spPr>
+          <a:xfrm>
+            <a:off x="9870945" y="1614185"/>
+            <a:ext cx="914400" cy="914400"/>
+          </a:xfrm>
+          <a:prstGeom prst="rect">
+            <a:avLst/>
+          </a:prstGeom>
+        </p:spPr>
+      </p:pic>
+      <p:pic>
+        <p:nvPicPr>
+          <p:cNvPr id="14" name="Graphic 13" descr="Magnifying glass with solid fill">
+            <a:extLst>
+              <a:ext uri="{FF2B5EF4-FFF2-40B4-BE49-F238E27FC236}">
+                <a16:creationId xmlns:a16="http://schemas.microsoft.com/office/drawing/2014/main" id="{5BC1C302-B086-8129-7ED0-FB82CA9C4125}"/>
+              </a:ext>
+            </a:extLst>
+          </p:cNvPr>
+          <p:cNvPicPr>
+            <a:picLocks noChangeAspect="1"/>
+          </p:cNvPicPr>
+          <p:nvPr/>
+        </p:nvPicPr>
+        <p:blipFill>
+          <a:blip r:embed="rId24">
+            <a:extLst>
+              <a:ext uri="{96DAC541-7B7A-43D3-8B79-37D633B846F1}">
+                <asvg:svgBlip xmlns:asvg="http://schemas.microsoft.com/office/drawing/2016/SVG/main" r:embed="rId25"/>
+              </a:ext>
+            </a:extLst>
+          </a:blip>
+          <a:stretch>
+            <a:fillRect/>
+          </a:stretch>
+        </p:blipFill>
+        <p:spPr>
+          <a:xfrm>
+            <a:off x="9870945" y="585485"/>
+            <a:ext cx="914400" cy="914400"/>
+          </a:xfrm>
+          <a:prstGeom prst="rect">
+            <a:avLst/>
+          </a:prstGeom>
+        </p:spPr>
+      </p:pic>
     </p:spTree>
     <p:extLst>
       <p:ext uri="{BB962C8B-B14F-4D97-AF65-F5344CB8AC3E}">
-        <p14:creationId xmlns:p14="http://schemas.microsoft.com/office/powerpoint/2010/main" val="1635983209"/>
+        <p14:creationId xmlns:p14="http://schemas.microsoft.com/office/powerpoint/2010/main" val="2167734046"/>
       </p:ext>
     </p:extLst>
   </p:cSld>
